--- a/presentation_jee.pptx
+++ b/presentation_jee.pptx
@@ -5,15 +5,21 @@
     <p:sldMasterId id="2147483648" r:id="rId1"/>
   </p:sldMasterIdLst>
   <p:notesMasterIdLst>
-    <p:notesMasterId r:id="rId5"/>
+    <p:notesMasterId r:id="rId11"/>
   </p:notesMasterIdLst>
   <p:handoutMasterIdLst>
-    <p:handoutMasterId r:id="rId6"/>
+    <p:handoutMasterId r:id="rId12"/>
   </p:handoutMasterIdLst>
   <p:sldIdLst>
     <p:sldId id="256" r:id="rId2"/>
     <p:sldId id="257" r:id="rId3"/>
-    <p:sldId id="259" r:id="rId4"/>
+    <p:sldId id="260" r:id="rId4"/>
+    <p:sldId id="262" r:id="rId5"/>
+    <p:sldId id="261" r:id="rId6"/>
+    <p:sldId id="263" r:id="rId7"/>
+    <p:sldId id="264" r:id="rId8"/>
+    <p:sldId id="265" r:id="rId9"/>
+    <p:sldId id="259" r:id="rId10"/>
   </p:sldIdLst>
   <p:sldSz cx="12192000" cy="6858000"/>
   <p:notesSz cx="6858000" cy="9144000"/>
@@ -112,7 +118,16 @@
       </a:defRPr>
     </a:lvl9pPr>
   </p:defaultTextStyle>
+  <p:extLst>
+    <p:ext uri="{EFAFB233-063F-42B5-8137-9DF3F51BA10A}">
+      <p15:sldGuideLst xmlns:p15="http://schemas.microsoft.com/office/powerpoint/2012/main"/>
+    </p:ext>
+  </p:extLst>
 </p:presentation>
+</file>
+
+<file path=ppt/revisionInfo.xml><?xml version="1.0" encoding="utf-8"?>
+<p1510:revInfo xmlns:a="http://schemas.openxmlformats.org/drawingml/2006/main" xmlns:r="http://schemas.openxmlformats.org/officeDocument/2006/relationships" xmlns:p1510="http://schemas.microsoft.com/office/powerpoint/2015/10/main"/>
 </file>
 
 <file path=ppt/handoutMasters/handoutMaster1.xml><?xml version="1.0" encoding="utf-8"?>
@@ -750,7 +765,7 @@
           <a:effectLst/>
           <a:extLst>
             <a:ext uri="{91240B29-F687-4f45-9708-019B960494DF}">
-              <a14:hiddenLine xmlns:a14="http://schemas.microsoft.com/office/drawing/2010/main" xmlns="" w="9525">
+              <a14:hiddenLine xmlns="" xmlns:a14="http://schemas.microsoft.com/office/drawing/2010/main" w="9525">
                 <a:solidFill>
                   <a:srgbClr val="000000"/>
                 </a:solidFill>
@@ -2256,7 +2271,7 @@
           <a:ln/>
           <a:extLst>
             <a:ext uri="{91240B29-F687-4f45-9708-019B960494DF}">
-              <a14:hiddenLine xmlns:a14="http://schemas.microsoft.com/office/drawing/2010/main" xmlns="" w="9525">
+              <a14:hiddenLine xmlns="" xmlns:a14="http://schemas.microsoft.com/office/drawing/2010/main" w="9525">
                 <a:solidFill>
                   <a:srgbClr val="000000"/>
                 </a:solidFill>
@@ -2527,7 +2542,7 @@
           <a:ln/>
           <a:extLst>
             <a:ext uri="{91240B29-F687-4f45-9708-019B960494DF}">
-              <a14:hiddenLine xmlns:a14="http://schemas.microsoft.com/office/drawing/2010/main" xmlns="" w="9525">
+              <a14:hiddenLine xmlns="" xmlns:a14="http://schemas.microsoft.com/office/drawing/2010/main" w="9525">
                 <a:solidFill>
                   <a:srgbClr val="000000"/>
                 </a:solidFill>
@@ -2806,7 +2821,7 @@
           <a:ln/>
           <a:extLst>
             <a:ext uri="{91240B29-F687-4f45-9708-019B960494DF}">
-              <a14:hiddenLine xmlns:a14="http://schemas.microsoft.com/office/drawing/2010/main" xmlns="" w="9525">
+              <a14:hiddenLine xmlns="" xmlns:a14="http://schemas.microsoft.com/office/drawing/2010/main" w="9525">
                 <a:solidFill>
                   <a:srgbClr val="000000"/>
                 </a:solidFill>
@@ -3454,7 +3469,7 @@
           <a:ln/>
           <a:extLst>
             <a:ext uri="{91240B29-F687-4f45-9708-019B960494DF}">
-              <a14:hiddenLine xmlns:a14="http://schemas.microsoft.com/office/drawing/2010/main" xmlns="" w="9525">
+              <a14:hiddenLine xmlns="" xmlns:a14="http://schemas.microsoft.com/office/drawing/2010/main" w="9525">
                 <a:solidFill>
                   <a:srgbClr val="000000"/>
                 </a:solidFill>
@@ -3789,7 +3804,7 @@
           <a:ln/>
           <a:extLst>
             <a:ext uri="{91240B29-F687-4f45-9708-019B960494DF}">
-              <a14:hiddenLine xmlns:a14="http://schemas.microsoft.com/office/drawing/2010/main" xmlns="" w="9525">
+              <a14:hiddenLine xmlns="" xmlns:a14="http://schemas.microsoft.com/office/drawing/2010/main" w="9525">
                 <a:solidFill>
                   <a:srgbClr val="000000"/>
                 </a:solidFill>
@@ -4262,7 +4277,7 @@
           <a:ln/>
           <a:extLst>
             <a:ext uri="{91240B29-F687-4f45-9708-019B960494DF}">
-              <a14:hiddenLine xmlns:a14="http://schemas.microsoft.com/office/drawing/2010/main" xmlns="" w="9525">
+              <a14:hiddenLine xmlns="" xmlns:a14="http://schemas.microsoft.com/office/drawing/2010/main" w="9525">
                 <a:solidFill>
                   <a:srgbClr val="000000"/>
                 </a:solidFill>
@@ -4683,7 +4698,7 @@
           <a:ln/>
           <a:extLst>
             <a:ext uri="{91240B29-F687-4f45-9708-019B960494DF}">
-              <a14:hiddenLine xmlns:a14="http://schemas.microsoft.com/office/drawing/2010/main" xmlns="" w="9525">
+              <a14:hiddenLine xmlns="" xmlns:a14="http://schemas.microsoft.com/office/drawing/2010/main" w="9525">
                 <a:solidFill>
                   <a:srgbClr val="000000"/>
                 </a:solidFill>
@@ -6092,21 +6107,49 @@
             <p:ph idx="1"/>
           </p:nvPr>
         </p:nvSpPr>
-        <p:spPr/>
-        <p:txBody>
-          <a:bodyPr/>
-          <a:lstStyle/>
-          <a:p>
-            <a:r>
-              <a:rPr lang="fr-FR" dirty="0"/>
+        <p:spPr>
+          <a:xfrm>
+            <a:off x="810000" y="2524676"/>
+            <a:ext cx="10554574" cy="3636511"/>
+          </a:xfrm>
+        </p:spPr>
+        <p:txBody>
+          <a:bodyPr>
+            <a:normAutofit/>
+          </a:bodyPr>
+          <a:lstStyle/>
+          <a:p>
+            <a:r>
+              <a:rPr lang="fr-FR" sz="2400" dirty="0"/>
               <a:t>Présentation rapide de l’application</a:t>
             </a:r>
           </a:p>
           <a:p>
-            <a:endParaRPr lang="fr-FR" dirty="0"/>
-          </a:p>
-          <a:p>
-            <a:endParaRPr lang="fr-FR" dirty="0"/>
+            <a:r>
+              <a:rPr lang="fr-FR" sz="2400" dirty="0"/>
+              <a:t>Les DAO</a:t>
+            </a:r>
+          </a:p>
+          <a:p>
+            <a:r>
+              <a:rPr lang="fr-FR" sz="2400" dirty="0"/>
+              <a:t>Les Vues</a:t>
+            </a:r>
+          </a:p>
+          <a:p>
+            <a:r>
+              <a:rPr lang="fr-FR" sz="2400" dirty="0"/>
+              <a:t>Les difficultés</a:t>
+            </a:r>
+          </a:p>
+          <a:p>
+            <a:r>
+              <a:rPr lang="fr-FR" sz="2400" dirty="0"/>
+              <a:t>Conclusion</a:t>
+            </a:r>
+          </a:p>
+          <a:p>
+            <a:endParaRPr lang="fr-FR" sz="2400" dirty="0"/>
           </a:p>
         </p:txBody>
       </p:sp>
@@ -6175,6 +6218,874 @@
           <p:cNvPr id="2" name="Titre 1">
             <a:extLst>
               <a:ext uri="{FF2B5EF4-FFF2-40B4-BE49-F238E27FC236}">
+                <a16:creationId xmlns:a16="http://schemas.microsoft.com/office/drawing/2014/main" id="{D0AE933E-C745-4773-9545-35D71315E9ED}"/>
+              </a:ext>
+            </a:extLst>
+          </p:cNvPr>
+          <p:cNvSpPr>
+            <a:spLocks noGrp="1"/>
+          </p:cNvSpPr>
+          <p:nvPr>
+            <p:ph type="title"/>
+          </p:nvPr>
+        </p:nvSpPr>
+        <p:spPr/>
+        <p:txBody>
+          <a:bodyPr/>
+          <a:lstStyle/>
+          <a:p>
+            <a:r>
+              <a:rPr lang="fr-FR" dirty="0"/>
+              <a:t>Présentation</a:t>
+            </a:r>
+          </a:p>
+        </p:txBody>
+      </p:sp>
+      <p:pic>
+        <p:nvPicPr>
+          <p:cNvPr id="6" name="Espace réservé du contenu 5">
+            <a:extLst>
+              <a:ext uri="{FF2B5EF4-FFF2-40B4-BE49-F238E27FC236}">
+                <a16:creationId xmlns:a16="http://schemas.microsoft.com/office/drawing/2014/main" id="{92B5065F-7CD3-4B6D-9FFF-67CE8996E611}"/>
+              </a:ext>
+            </a:extLst>
+          </p:cNvPr>
+          <p:cNvPicPr>
+            <a:picLocks noGrp="1" noChangeAspect="1"/>
+          </p:cNvPicPr>
+          <p:nvPr>
+            <p:ph idx="1"/>
+          </p:nvPr>
+        </p:nvPicPr>
+        <p:blipFill>
+          <a:blip r:embed="rId2"/>
+          <a:stretch>
+            <a:fillRect/>
+          </a:stretch>
+        </p:blipFill>
+        <p:spPr>
+          <a:xfrm>
+            <a:off x="1416149" y="3185490"/>
+            <a:ext cx="4042116" cy="2273690"/>
+          </a:xfrm>
+        </p:spPr>
+      </p:pic>
+      <p:sp>
+        <p:nvSpPr>
+          <p:cNvPr id="4" name="Espace réservé du numéro de diapositive 3">
+            <a:extLst>
+              <a:ext uri="{FF2B5EF4-FFF2-40B4-BE49-F238E27FC236}">
+                <a16:creationId xmlns:a16="http://schemas.microsoft.com/office/drawing/2014/main" id="{BCDA5988-C5FD-4288-BEC8-21C36714ECAD}"/>
+              </a:ext>
+            </a:extLst>
+          </p:cNvPr>
+          <p:cNvSpPr>
+            <a:spLocks noGrp="1"/>
+          </p:cNvSpPr>
+          <p:nvPr>
+            <p:ph type="sldNum" sz="quarter" idx="12"/>
+          </p:nvPr>
+        </p:nvSpPr>
+        <p:spPr/>
+        <p:txBody>
+          <a:bodyPr/>
+          <a:lstStyle/>
+          <a:p>
+            <a:fld id="{D57F1E4F-1CFF-5643-939E-217C01CDF565}" type="slidenum">
+              <a:rPr lang="en-US" smtClean="0"/>
+              <a:pPr/>
+              <a:t>3</a:t>
+            </a:fld>
+            <a:endParaRPr lang="en-US" dirty="0"/>
+          </a:p>
+        </p:txBody>
+      </p:sp>
+      <p:pic>
+        <p:nvPicPr>
+          <p:cNvPr id="10" name="Image 9">
+            <a:extLst>
+              <a:ext uri="{FF2B5EF4-FFF2-40B4-BE49-F238E27FC236}">
+                <a16:creationId xmlns:a16="http://schemas.microsoft.com/office/drawing/2014/main" id="{AEF97230-CD1E-4032-AD02-BAA3A1B6C711}"/>
+              </a:ext>
+            </a:extLst>
+          </p:cNvPr>
+          <p:cNvPicPr>
+            <a:picLocks noChangeAspect="1"/>
+          </p:cNvPicPr>
+          <p:nvPr/>
+        </p:nvPicPr>
+        <p:blipFill>
+          <a:blip r:embed="rId3"/>
+          <a:stretch>
+            <a:fillRect/>
+          </a:stretch>
+        </p:blipFill>
+        <p:spPr>
+          <a:xfrm>
+            <a:off x="6625884" y="2107945"/>
+            <a:ext cx="4428779" cy="4428779"/>
+          </a:xfrm>
+          <a:prstGeom prst="rect">
+            <a:avLst/>
+          </a:prstGeom>
+        </p:spPr>
+      </p:pic>
+    </p:spTree>
+    <p:extLst>
+      <p:ext uri="{BB962C8B-B14F-4D97-AF65-F5344CB8AC3E}">
+        <p14:creationId xmlns:p14="http://schemas.microsoft.com/office/powerpoint/2010/main" val="3799279344"/>
+      </p:ext>
+    </p:extLst>
+  </p:cSld>
+  <p:clrMapOvr>
+    <a:masterClrMapping/>
+  </p:clrMapOvr>
+</p:sld>
+</file>
+
+<file path=ppt/slides/slide4.xml><?xml version="1.0" encoding="utf-8"?>
+<p:sld xmlns:a="http://schemas.openxmlformats.org/drawingml/2006/main" xmlns:r="http://schemas.openxmlformats.org/officeDocument/2006/relationships" xmlns:p="http://schemas.openxmlformats.org/presentationml/2006/main">
+  <p:cSld>
+    <p:spTree>
+      <p:nvGrpSpPr>
+        <p:cNvPr id="1" name=""/>
+        <p:cNvGrpSpPr/>
+        <p:nvPr/>
+      </p:nvGrpSpPr>
+      <p:grpSpPr>
+        <a:xfrm>
+          <a:off x="0" y="0"/>
+          <a:ext cx="0" cy="0"/>
+          <a:chOff x="0" y="0"/>
+          <a:chExt cx="0" cy="0"/>
+        </a:xfrm>
+      </p:grpSpPr>
+      <p:sp>
+        <p:nvSpPr>
+          <p:cNvPr id="2" name="Titre 1">
+            <a:extLst>
+              <a:ext uri="{FF2B5EF4-FFF2-40B4-BE49-F238E27FC236}">
+                <a16:creationId xmlns:a16="http://schemas.microsoft.com/office/drawing/2014/main" id="{27547393-3EDA-4B80-A92C-626A24E772B3}"/>
+              </a:ext>
+            </a:extLst>
+          </p:cNvPr>
+          <p:cNvSpPr>
+            <a:spLocks noGrp="1"/>
+          </p:cNvSpPr>
+          <p:nvPr>
+            <p:ph type="title"/>
+          </p:nvPr>
+        </p:nvSpPr>
+        <p:spPr/>
+        <p:txBody>
+          <a:bodyPr/>
+          <a:lstStyle/>
+          <a:p>
+            <a:r>
+              <a:rPr lang="fr-FR" dirty="0"/>
+              <a:t>Présentation</a:t>
+            </a:r>
+          </a:p>
+        </p:txBody>
+      </p:sp>
+      <p:sp>
+        <p:nvSpPr>
+          <p:cNvPr id="4" name="Espace réservé du numéro de diapositive 3">
+            <a:extLst>
+              <a:ext uri="{FF2B5EF4-FFF2-40B4-BE49-F238E27FC236}">
+                <a16:creationId xmlns:a16="http://schemas.microsoft.com/office/drawing/2014/main" id="{D1029C84-B49F-4834-A851-99EECCDE764B}"/>
+              </a:ext>
+            </a:extLst>
+          </p:cNvPr>
+          <p:cNvSpPr>
+            <a:spLocks noGrp="1"/>
+          </p:cNvSpPr>
+          <p:nvPr>
+            <p:ph type="sldNum" sz="quarter" idx="12"/>
+          </p:nvPr>
+        </p:nvSpPr>
+        <p:spPr/>
+        <p:txBody>
+          <a:bodyPr/>
+          <a:lstStyle/>
+          <a:p>
+            <a:fld id="{D57F1E4F-1CFF-5643-939E-217C01CDF565}" type="slidenum">
+              <a:rPr lang="en-US" smtClean="0"/>
+              <a:pPr/>
+              <a:t>4</a:t>
+            </a:fld>
+            <a:endParaRPr lang="en-US" dirty="0"/>
+          </a:p>
+        </p:txBody>
+      </p:sp>
+      <p:pic>
+        <p:nvPicPr>
+          <p:cNvPr id="1026" name="Picture 2" descr="Image result for modele mvc">
+            <a:extLst>
+              <a:ext uri="{FF2B5EF4-FFF2-40B4-BE49-F238E27FC236}">
+                <a16:creationId xmlns:a16="http://schemas.microsoft.com/office/drawing/2014/main" id="{AB97120B-2B5B-4869-8345-0C7256713D36}"/>
+              </a:ext>
+            </a:extLst>
+          </p:cNvPr>
+          <p:cNvPicPr>
+            <a:picLocks noChangeAspect="1" noChangeArrowheads="1"/>
+          </p:cNvPicPr>
+          <p:nvPr/>
+        </p:nvPicPr>
+        <p:blipFill>
+          <a:blip r:embed="rId2">
+            <a:extLst>
+              <a:ext uri="{28A0092B-C50C-407E-A947-70E740481C1C}">
+                <a14:useLocalDpi xmlns:a14="http://schemas.microsoft.com/office/drawing/2010/main" val="0"/>
+              </a:ext>
+            </a:extLst>
+          </a:blip>
+          <a:srcRect/>
+          <a:stretch>
+            <a:fillRect/>
+          </a:stretch>
+        </p:blipFill>
+        <p:spPr bwMode="auto">
+          <a:xfrm>
+            <a:off x="1124243" y="3246120"/>
+            <a:ext cx="2617763" cy="2617763"/>
+          </a:xfrm>
+          <a:prstGeom prst="rect">
+            <a:avLst/>
+          </a:prstGeom>
+          <a:noFill/>
+          <a:extLst>
+            <a:ext uri="{909E8E84-426E-40DD-AFC4-6F175D3DCCD1}">
+              <a14:hiddenFill xmlns:a14="http://schemas.microsoft.com/office/drawing/2010/main">
+                <a:solidFill>
+                  <a:srgbClr val="FFFFFF"/>
+                </a:solidFill>
+              </a14:hiddenFill>
+            </a:ext>
+          </a:extLst>
+        </p:spPr>
+      </p:pic>
+      <p:pic>
+        <p:nvPicPr>
+          <p:cNvPr id="1028" name="Picture 4" descr="Image result for netbeans logo">
+            <a:extLst>
+              <a:ext uri="{FF2B5EF4-FFF2-40B4-BE49-F238E27FC236}">
+                <a16:creationId xmlns:a16="http://schemas.microsoft.com/office/drawing/2014/main" id="{F8A8A2AA-39E7-45F0-A5BB-6D5E7EDB5162}"/>
+              </a:ext>
+            </a:extLst>
+          </p:cNvPr>
+          <p:cNvPicPr>
+            <a:picLocks noChangeAspect="1" noChangeArrowheads="1"/>
+          </p:cNvPicPr>
+          <p:nvPr/>
+        </p:nvPicPr>
+        <p:blipFill>
+          <a:blip r:embed="rId3">
+            <a:extLst>
+              <a:ext uri="{28A0092B-C50C-407E-A947-70E740481C1C}">
+                <a14:useLocalDpi xmlns:a14="http://schemas.microsoft.com/office/drawing/2010/main" val="0"/>
+              </a:ext>
+            </a:extLst>
+          </a:blip>
+          <a:srcRect/>
+          <a:stretch>
+            <a:fillRect/>
+          </a:stretch>
+        </p:blipFill>
+        <p:spPr bwMode="auto">
+          <a:xfrm>
+            <a:off x="4642338" y="2071920"/>
+            <a:ext cx="4179057" cy="1813827"/>
+          </a:xfrm>
+          <a:prstGeom prst="rect">
+            <a:avLst/>
+          </a:prstGeom>
+          <a:noFill/>
+          <a:extLst>
+            <a:ext uri="{909E8E84-426E-40DD-AFC4-6F175D3DCCD1}">
+              <a14:hiddenFill xmlns:a14="http://schemas.microsoft.com/office/drawing/2010/main">
+                <a:solidFill>
+                  <a:srgbClr val="FFFFFF"/>
+                </a:solidFill>
+              </a14:hiddenFill>
+            </a:ext>
+          </a:extLst>
+        </p:spPr>
+      </p:pic>
+      <p:pic>
+        <p:nvPicPr>
+          <p:cNvPr id="1030" name="Picture 6" descr="Image result for glassfish logo">
+            <a:extLst>
+              <a:ext uri="{FF2B5EF4-FFF2-40B4-BE49-F238E27FC236}">
+                <a16:creationId xmlns:a16="http://schemas.microsoft.com/office/drawing/2014/main" id="{AEA42EAC-5019-46DB-A71E-53AC8ACF7798}"/>
+              </a:ext>
+            </a:extLst>
+          </p:cNvPr>
+          <p:cNvPicPr>
+            <a:picLocks noChangeAspect="1" noChangeArrowheads="1"/>
+          </p:cNvPicPr>
+          <p:nvPr/>
+        </p:nvPicPr>
+        <p:blipFill>
+          <a:blip r:embed="rId4">
+            <a:extLst>
+              <a:ext uri="{28A0092B-C50C-407E-A947-70E740481C1C}">
+                <a14:useLocalDpi xmlns:a14="http://schemas.microsoft.com/office/drawing/2010/main" val="0"/>
+              </a:ext>
+            </a:extLst>
+          </a:blip>
+          <a:srcRect/>
+          <a:stretch>
+            <a:fillRect/>
+          </a:stretch>
+        </p:blipFill>
+        <p:spPr bwMode="auto">
+          <a:xfrm>
+            <a:off x="7882486" y="4317215"/>
+            <a:ext cx="2228557" cy="2089272"/>
+          </a:xfrm>
+          <a:prstGeom prst="rect">
+            <a:avLst/>
+          </a:prstGeom>
+          <a:noFill/>
+          <a:extLst>
+            <a:ext uri="{909E8E84-426E-40DD-AFC4-6F175D3DCCD1}">
+              <a14:hiddenFill xmlns:a14="http://schemas.microsoft.com/office/drawing/2010/main">
+                <a:solidFill>
+                  <a:srgbClr val="FFFFFF"/>
+                </a:solidFill>
+              </a14:hiddenFill>
+            </a:ext>
+          </a:extLst>
+        </p:spPr>
+      </p:pic>
+    </p:spTree>
+    <p:extLst>
+      <p:ext uri="{BB962C8B-B14F-4D97-AF65-F5344CB8AC3E}">
+        <p14:creationId xmlns:p14="http://schemas.microsoft.com/office/powerpoint/2010/main" val="4071725727"/>
+      </p:ext>
+    </p:extLst>
+  </p:cSld>
+  <p:clrMapOvr>
+    <a:masterClrMapping/>
+  </p:clrMapOvr>
+</p:sld>
+</file>
+
+<file path=ppt/slides/slide5.xml><?xml version="1.0" encoding="utf-8"?>
+<p:sld xmlns:a="http://schemas.openxmlformats.org/drawingml/2006/main" xmlns:r="http://schemas.openxmlformats.org/officeDocument/2006/relationships" xmlns:p="http://schemas.openxmlformats.org/presentationml/2006/main">
+  <p:cSld>
+    <p:spTree>
+      <p:nvGrpSpPr>
+        <p:cNvPr id="1" name=""/>
+        <p:cNvGrpSpPr/>
+        <p:nvPr/>
+      </p:nvGrpSpPr>
+      <p:grpSpPr>
+        <a:xfrm>
+          <a:off x="0" y="0"/>
+          <a:ext cx="0" cy="0"/>
+          <a:chOff x="0" y="0"/>
+          <a:chExt cx="0" cy="0"/>
+        </a:xfrm>
+      </p:grpSpPr>
+      <p:sp>
+        <p:nvSpPr>
+          <p:cNvPr id="2" name="Titre 1">
+            <a:extLst>
+              <a:ext uri="{FF2B5EF4-FFF2-40B4-BE49-F238E27FC236}">
+                <a16:creationId xmlns:a16="http://schemas.microsoft.com/office/drawing/2014/main" id="{B00F26A2-1D35-498E-B58D-592EDCB4BAAA}"/>
+              </a:ext>
+            </a:extLst>
+          </p:cNvPr>
+          <p:cNvSpPr>
+            <a:spLocks noGrp="1"/>
+          </p:cNvSpPr>
+          <p:nvPr>
+            <p:ph type="title"/>
+          </p:nvPr>
+        </p:nvSpPr>
+        <p:spPr/>
+        <p:txBody>
+          <a:bodyPr/>
+          <a:lstStyle/>
+          <a:p>
+            <a:r>
+              <a:rPr lang="fr-FR" dirty="0"/>
+              <a:t>Les DAO</a:t>
+            </a:r>
+          </a:p>
+        </p:txBody>
+      </p:sp>
+      <p:sp>
+        <p:nvSpPr>
+          <p:cNvPr id="4" name="Espace réservé du numéro de diapositive 3">
+            <a:extLst>
+              <a:ext uri="{FF2B5EF4-FFF2-40B4-BE49-F238E27FC236}">
+                <a16:creationId xmlns:a16="http://schemas.microsoft.com/office/drawing/2014/main" id="{BF5F6A89-B2B5-4ED7-B964-7B0764C7342C}"/>
+              </a:ext>
+            </a:extLst>
+          </p:cNvPr>
+          <p:cNvSpPr>
+            <a:spLocks noGrp="1"/>
+          </p:cNvSpPr>
+          <p:nvPr>
+            <p:ph type="sldNum" sz="quarter" idx="12"/>
+          </p:nvPr>
+        </p:nvSpPr>
+        <p:spPr/>
+        <p:txBody>
+          <a:bodyPr/>
+          <a:lstStyle/>
+          <a:p>
+            <a:fld id="{D57F1E4F-1CFF-5643-939E-217C01CDF565}" type="slidenum">
+              <a:rPr lang="en-US" smtClean="0"/>
+              <a:pPr/>
+              <a:t>5</a:t>
+            </a:fld>
+            <a:endParaRPr lang="en-US" dirty="0"/>
+          </a:p>
+        </p:txBody>
+      </p:sp>
+      <p:pic>
+        <p:nvPicPr>
+          <p:cNvPr id="5" name="Image 4">
+            <a:extLst>
+              <a:ext uri="{FF2B5EF4-FFF2-40B4-BE49-F238E27FC236}">
+                <a16:creationId xmlns:a16="http://schemas.microsoft.com/office/drawing/2014/main" id="{A3BBEC5B-0AE2-4FA7-A6AE-19FE79D30B68}"/>
+              </a:ext>
+            </a:extLst>
+          </p:cNvPr>
+          <p:cNvPicPr>
+            <a:picLocks noChangeAspect="1"/>
+          </p:cNvPicPr>
+          <p:nvPr/>
+        </p:nvPicPr>
+        <p:blipFill>
+          <a:blip r:embed="rId2"/>
+          <a:stretch>
+            <a:fillRect/>
+          </a:stretch>
+        </p:blipFill>
+        <p:spPr>
+          <a:xfrm>
+            <a:off x="337624" y="2377777"/>
+            <a:ext cx="7439465" cy="4156519"/>
+          </a:xfrm>
+          <a:prstGeom prst="rect">
+            <a:avLst/>
+          </a:prstGeom>
+        </p:spPr>
+      </p:pic>
+      <p:sp>
+        <p:nvSpPr>
+          <p:cNvPr id="6" name="ZoneTexte 5">
+            <a:extLst>
+              <a:ext uri="{FF2B5EF4-FFF2-40B4-BE49-F238E27FC236}">
+                <a16:creationId xmlns:a16="http://schemas.microsoft.com/office/drawing/2014/main" id="{3784466E-23E7-441F-B6FE-54F0267879FE}"/>
+              </a:ext>
+            </a:extLst>
+          </p:cNvPr>
+          <p:cNvSpPr txBox="1"/>
+          <p:nvPr/>
+        </p:nvSpPr>
+        <p:spPr>
+          <a:xfrm>
+            <a:off x="8056381" y="3205098"/>
+            <a:ext cx="3843131" cy="923330"/>
+          </a:xfrm>
+          <a:prstGeom prst="rect">
+            <a:avLst/>
+          </a:prstGeom>
+          <a:noFill/>
+        </p:spPr>
+        <p:txBody>
+          <a:bodyPr wrap="square" rtlCol="0">
+            <a:spAutoFit/>
+          </a:bodyPr>
+          <a:lstStyle/>
+          <a:p>
+            <a:r>
+              <a:rPr lang="fr-FR" dirty="0"/>
+              <a:t>Vérification de l’identifiant et du mot de passe lors de la connexion</a:t>
+            </a:r>
+          </a:p>
+        </p:txBody>
+      </p:sp>
+    </p:spTree>
+    <p:extLst>
+      <p:ext uri="{BB962C8B-B14F-4D97-AF65-F5344CB8AC3E}">
+        <p14:creationId xmlns:p14="http://schemas.microsoft.com/office/powerpoint/2010/main" val="371895203"/>
+      </p:ext>
+    </p:extLst>
+  </p:cSld>
+  <p:clrMapOvr>
+    <a:masterClrMapping/>
+  </p:clrMapOvr>
+</p:sld>
+</file>
+
+<file path=ppt/slides/slide6.xml><?xml version="1.0" encoding="utf-8"?>
+<p:sld xmlns:a="http://schemas.openxmlformats.org/drawingml/2006/main" xmlns:r="http://schemas.openxmlformats.org/officeDocument/2006/relationships" xmlns:p="http://schemas.openxmlformats.org/presentationml/2006/main">
+  <p:cSld>
+    <p:spTree>
+      <p:nvGrpSpPr>
+        <p:cNvPr id="1" name=""/>
+        <p:cNvGrpSpPr/>
+        <p:nvPr/>
+      </p:nvGrpSpPr>
+      <p:grpSpPr>
+        <a:xfrm>
+          <a:off x="0" y="0"/>
+          <a:ext cx="0" cy="0"/>
+          <a:chOff x="0" y="0"/>
+          <a:chExt cx="0" cy="0"/>
+        </a:xfrm>
+      </p:grpSpPr>
+      <p:sp>
+        <p:nvSpPr>
+          <p:cNvPr id="2" name="Titre 1">
+            <a:extLst>
+              <a:ext uri="{FF2B5EF4-FFF2-40B4-BE49-F238E27FC236}">
+                <a16:creationId xmlns:a16="http://schemas.microsoft.com/office/drawing/2014/main" id="{94E953CB-5588-4E55-B7F5-4D82AE2ED621}"/>
+              </a:ext>
+            </a:extLst>
+          </p:cNvPr>
+          <p:cNvSpPr>
+            <a:spLocks noGrp="1"/>
+          </p:cNvSpPr>
+          <p:nvPr>
+            <p:ph type="title"/>
+          </p:nvPr>
+        </p:nvSpPr>
+        <p:spPr/>
+        <p:txBody>
+          <a:bodyPr/>
+          <a:lstStyle/>
+          <a:p>
+            <a:r>
+              <a:rPr lang="fr-FR" dirty="0"/>
+              <a:t>Les Vues</a:t>
+            </a:r>
+          </a:p>
+        </p:txBody>
+      </p:sp>
+      <p:sp>
+        <p:nvSpPr>
+          <p:cNvPr id="3" name="Espace réservé du contenu 2">
+            <a:extLst>
+              <a:ext uri="{FF2B5EF4-FFF2-40B4-BE49-F238E27FC236}">
+                <a16:creationId xmlns:a16="http://schemas.microsoft.com/office/drawing/2014/main" id="{7F113C0F-0488-47F7-8CE1-2E8131B10A16}"/>
+              </a:ext>
+            </a:extLst>
+          </p:cNvPr>
+          <p:cNvSpPr>
+            <a:spLocks noGrp="1"/>
+          </p:cNvSpPr>
+          <p:nvPr>
+            <p:ph idx="1"/>
+          </p:nvPr>
+        </p:nvSpPr>
+        <p:spPr/>
+        <p:txBody>
+          <a:bodyPr/>
+          <a:lstStyle/>
+          <a:p>
+            <a:endParaRPr lang="fr-FR"/>
+          </a:p>
+        </p:txBody>
+      </p:sp>
+      <p:sp>
+        <p:nvSpPr>
+          <p:cNvPr id="4" name="Espace réservé du numéro de diapositive 3">
+            <a:extLst>
+              <a:ext uri="{FF2B5EF4-FFF2-40B4-BE49-F238E27FC236}">
+                <a16:creationId xmlns:a16="http://schemas.microsoft.com/office/drawing/2014/main" id="{D0A53A35-0DD5-4D72-9D13-8110FA29CA38}"/>
+              </a:ext>
+            </a:extLst>
+          </p:cNvPr>
+          <p:cNvSpPr>
+            <a:spLocks noGrp="1"/>
+          </p:cNvSpPr>
+          <p:nvPr>
+            <p:ph type="sldNum" sz="quarter" idx="12"/>
+          </p:nvPr>
+        </p:nvSpPr>
+        <p:spPr/>
+        <p:txBody>
+          <a:bodyPr/>
+          <a:lstStyle/>
+          <a:p>
+            <a:fld id="{D57F1E4F-1CFF-5643-939E-217C01CDF565}" type="slidenum">
+              <a:rPr lang="en-US" smtClean="0"/>
+              <a:pPr/>
+              <a:t>6</a:t>
+            </a:fld>
+            <a:endParaRPr lang="en-US" dirty="0"/>
+          </a:p>
+        </p:txBody>
+      </p:sp>
+    </p:spTree>
+    <p:extLst>
+      <p:ext uri="{BB962C8B-B14F-4D97-AF65-F5344CB8AC3E}">
+        <p14:creationId xmlns:p14="http://schemas.microsoft.com/office/powerpoint/2010/main" val="1856342955"/>
+      </p:ext>
+    </p:extLst>
+  </p:cSld>
+  <p:clrMapOvr>
+    <a:masterClrMapping/>
+  </p:clrMapOvr>
+</p:sld>
+</file>
+
+<file path=ppt/slides/slide7.xml><?xml version="1.0" encoding="utf-8"?>
+<p:sld xmlns:a="http://schemas.openxmlformats.org/drawingml/2006/main" xmlns:r="http://schemas.openxmlformats.org/officeDocument/2006/relationships" xmlns:p="http://schemas.openxmlformats.org/presentationml/2006/main">
+  <p:cSld>
+    <p:spTree>
+      <p:nvGrpSpPr>
+        <p:cNvPr id="1" name=""/>
+        <p:cNvGrpSpPr/>
+        <p:nvPr/>
+      </p:nvGrpSpPr>
+      <p:grpSpPr>
+        <a:xfrm>
+          <a:off x="0" y="0"/>
+          <a:ext cx="0" cy="0"/>
+          <a:chOff x="0" y="0"/>
+          <a:chExt cx="0" cy="0"/>
+        </a:xfrm>
+      </p:grpSpPr>
+      <p:sp>
+        <p:nvSpPr>
+          <p:cNvPr id="2" name="Titre 1">
+            <a:extLst>
+              <a:ext uri="{FF2B5EF4-FFF2-40B4-BE49-F238E27FC236}">
+                <a16:creationId xmlns:a16="http://schemas.microsoft.com/office/drawing/2014/main" id="{E5008914-88B0-40F4-B2B3-B520AE5FE04F}"/>
+              </a:ext>
+            </a:extLst>
+          </p:cNvPr>
+          <p:cNvSpPr>
+            <a:spLocks noGrp="1"/>
+          </p:cNvSpPr>
+          <p:nvPr>
+            <p:ph type="title"/>
+          </p:nvPr>
+        </p:nvSpPr>
+        <p:spPr/>
+        <p:txBody>
+          <a:bodyPr/>
+          <a:lstStyle/>
+          <a:p>
+            <a:r>
+              <a:rPr lang="fr-FR" dirty="0"/>
+              <a:t>Difficultés</a:t>
+            </a:r>
+          </a:p>
+        </p:txBody>
+      </p:sp>
+      <p:sp>
+        <p:nvSpPr>
+          <p:cNvPr id="3" name="Espace réservé du contenu 2">
+            <a:extLst>
+              <a:ext uri="{FF2B5EF4-FFF2-40B4-BE49-F238E27FC236}">
+                <a16:creationId xmlns:a16="http://schemas.microsoft.com/office/drawing/2014/main" id="{8CBB45B8-702F-4E59-BB61-02DDC257616C}"/>
+              </a:ext>
+            </a:extLst>
+          </p:cNvPr>
+          <p:cNvSpPr>
+            <a:spLocks noGrp="1"/>
+          </p:cNvSpPr>
+          <p:nvPr>
+            <p:ph idx="1"/>
+          </p:nvPr>
+        </p:nvSpPr>
+        <p:spPr/>
+        <p:txBody>
+          <a:bodyPr/>
+          <a:lstStyle/>
+          <a:p>
+            <a:endParaRPr lang="fr-FR"/>
+          </a:p>
+        </p:txBody>
+      </p:sp>
+      <p:sp>
+        <p:nvSpPr>
+          <p:cNvPr id="4" name="Espace réservé du numéro de diapositive 3">
+            <a:extLst>
+              <a:ext uri="{FF2B5EF4-FFF2-40B4-BE49-F238E27FC236}">
+                <a16:creationId xmlns:a16="http://schemas.microsoft.com/office/drawing/2014/main" id="{8548D1E1-7931-4123-87DA-B2594A9E1E68}"/>
+              </a:ext>
+            </a:extLst>
+          </p:cNvPr>
+          <p:cNvSpPr>
+            <a:spLocks noGrp="1"/>
+          </p:cNvSpPr>
+          <p:nvPr>
+            <p:ph type="sldNum" sz="quarter" idx="12"/>
+          </p:nvPr>
+        </p:nvSpPr>
+        <p:spPr/>
+        <p:txBody>
+          <a:bodyPr/>
+          <a:lstStyle/>
+          <a:p>
+            <a:fld id="{D57F1E4F-1CFF-5643-939E-217C01CDF565}" type="slidenum">
+              <a:rPr lang="en-US" smtClean="0"/>
+              <a:pPr/>
+              <a:t>7</a:t>
+            </a:fld>
+            <a:endParaRPr lang="en-US" dirty="0"/>
+          </a:p>
+        </p:txBody>
+      </p:sp>
+    </p:spTree>
+    <p:extLst>
+      <p:ext uri="{BB962C8B-B14F-4D97-AF65-F5344CB8AC3E}">
+        <p14:creationId xmlns:p14="http://schemas.microsoft.com/office/powerpoint/2010/main" val="3314748671"/>
+      </p:ext>
+    </p:extLst>
+  </p:cSld>
+  <p:clrMapOvr>
+    <a:masterClrMapping/>
+  </p:clrMapOvr>
+</p:sld>
+</file>
+
+<file path=ppt/slides/slide8.xml><?xml version="1.0" encoding="utf-8"?>
+<p:sld xmlns:a="http://schemas.openxmlformats.org/drawingml/2006/main" xmlns:r="http://schemas.openxmlformats.org/officeDocument/2006/relationships" xmlns:p="http://schemas.openxmlformats.org/presentationml/2006/main">
+  <p:cSld>
+    <p:spTree>
+      <p:nvGrpSpPr>
+        <p:cNvPr id="1" name=""/>
+        <p:cNvGrpSpPr/>
+        <p:nvPr/>
+      </p:nvGrpSpPr>
+      <p:grpSpPr>
+        <a:xfrm>
+          <a:off x="0" y="0"/>
+          <a:ext cx="0" cy="0"/>
+          <a:chOff x="0" y="0"/>
+          <a:chExt cx="0" cy="0"/>
+        </a:xfrm>
+      </p:grpSpPr>
+      <p:sp>
+        <p:nvSpPr>
+          <p:cNvPr id="2" name="Titre 1">
+            <a:extLst>
+              <a:ext uri="{FF2B5EF4-FFF2-40B4-BE49-F238E27FC236}">
+                <a16:creationId xmlns:a16="http://schemas.microsoft.com/office/drawing/2014/main" id="{F44DD850-4D70-4918-B75B-6F06717D155E}"/>
+              </a:ext>
+            </a:extLst>
+          </p:cNvPr>
+          <p:cNvSpPr>
+            <a:spLocks noGrp="1"/>
+          </p:cNvSpPr>
+          <p:nvPr>
+            <p:ph type="title"/>
+          </p:nvPr>
+        </p:nvSpPr>
+        <p:spPr/>
+        <p:txBody>
+          <a:bodyPr/>
+          <a:lstStyle/>
+          <a:p>
+            <a:r>
+              <a:rPr lang="fr-FR" dirty="0"/>
+              <a:t>Conclusion</a:t>
+            </a:r>
+          </a:p>
+        </p:txBody>
+      </p:sp>
+      <p:sp>
+        <p:nvSpPr>
+          <p:cNvPr id="3" name="Espace réservé du contenu 2">
+            <a:extLst>
+              <a:ext uri="{FF2B5EF4-FFF2-40B4-BE49-F238E27FC236}">
+                <a16:creationId xmlns:a16="http://schemas.microsoft.com/office/drawing/2014/main" id="{1B290021-DACA-414D-800F-F1C5457C0904}"/>
+              </a:ext>
+            </a:extLst>
+          </p:cNvPr>
+          <p:cNvSpPr>
+            <a:spLocks noGrp="1"/>
+          </p:cNvSpPr>
+          <p:nvPr>
+            <p:ph idx="1"/>
+          </p:nvPr>
+        </p:nvSpPr>
+        <p:spPr/>
+        <p:txBody>
+          <a:bodyPr/>
+          <a:lstStyle/>
+          <a:p>
+            <a:endParaRPr lang="fr-FR"/>
+          </a:p>
+        </p:txBody>
+      </p:sp>
+      <p:sp>
+        <p:nvSpPr>
+          <p:cNvPr id="4" name="Espace réservé du numéro de diapositive 3">
+            <a:extLst>
+              <a:ext uri="{FF2B5EF4-FFF2-40B4-BE49-F238E27FC236}">
+                <a16:creationId xmlns:a16="http://schemas.microsoft.com/office/drawing/2014/main" id="{34C193F0-974C-4A20-BE88-5F6182578D93}"/>
+              </a:ext>
+            </a:extLst>
+          </p:cNvPr>
+          <p:cNvSpPr>
+            <a:spLocks noGrp="1"/>
+          </p:cNvSpPr>
+          <p:nvPr>
+            <p:ph type="sldNum" sz="quarter" idx="12"/>
+          </p:nvPr>
+        </p:nvSpPr>
+        <p:spPr/>
+        <p:txBody>
+          <a:bodyPr/>
+          <a:lstStyle/>
+          <a:p>
+            <a:fld id="{D57F1E4F-1CFF-5643-939E-217C01CDF565}" type="slidenum">
+              <a:rPr lang="en-US" smtClean="0"/>
+              <a:pPr/>
+              <a:t>8</a:t>
+            </a:fld>
+            <a:endParaRPr lang="en-US" dirty="0"/>
+          </a:p>
+        </p:txBody>
+      </p:sp>
+    </p:spTree>
+    <p:extLst>
+      <p:ext uri="{BB962C8B-B14F-4D97-AF65-F5344CB8AC3E}">
+        <p14:creationId xmlns:p14="http://schemas.microsoft.com/office/powerpoint/2010/main" val="1147183702"/>
+      </p:ext>
+    </p:extLst>
+  </p:cSld>
+  <p:clrMapOvr>
+    <a:masterClrMapping/>
+  </p:clrMapOvr>
+</p:sld>
+</file>
+
+<file path=ppt/slides/slide9.xml><?xml version="1.0" encoding="utf-8"?>
+<p:sld xmlns:a="http://schemas.openxmlformats.org/drawingml/2006/main" xmlns:r="http://schemas.openxmlformats.org/officeDocument/2006/relationships" xmlns:p="http://schemas.openxmlformats.org/presentationml/2006/main">
+  <p:cSld>
+    <p:spTree>
+      <p:nvGrpSpPr>
+        <p:cNvPr id="1" name=""/>
+        <p:cNvGrpSpPr/>
+        <p:nvPr/>
+      </p:nvGrpSpPr>
+      <p:grpSpPr>
+        <a:xfrm>
+          <a:off x="0" y="0"/>
+          <a:ext cx="0" cy="0"/>
+          <a:chOff x="0" y="0"/>
+          <a:chExt cx="0" cy="0"/>
+        </a:xfrm>
+      </p:grpSpPr>
+      <p:sp>
+        <p:nvSpPr>
+          <p:cNvPr id="2" name="Titre 1">
+            <a:extLst>
+              <a:ext uri="{FF2B5EF4-FFF2-40B4-BE49-F238E27FC236}">
                 <a16:creationId xmlns:a16="http://schemas.microsoft.com/office/drawing/2014/main" id="{F68C3FB5-BA73-429C-B53F-B2CD4F35B601}"/>
               </a:ext>
             </a:extLst>
@@ -6226,7 +7137,7 @@
             <a:fld id="{D57F1E4F-1CFF-5643-939E-217C01CDF565}" type="slidenum">
               <a:rPr lang="en-US" smtClean="0"/>
               <a:pPr/>
-              <a:t>3</a:t>
+              <a:t>9</a:t>
             </a:fld>
             <a:endParaRPr lang="en-US" dirty="0"/>
           </a:p>

--- a/presentation_jee.pptx
+++ b/presentation_jee.pptx
@@ -5,10 +5,10 @@
     <p:sldMasterId id="2147483648" r:id="rId1"/>
   </p:sldMasterIdLst>
   <p:notesMasterIdLst>
-    <p:notesMasterId r:id="rId11"/>
+    <p:notesMasterId r:id="rId12"/>
   </p:notesMasterIdLst>
   <p:handoutMasterIdLst>
-    <p:handoutMasterId r:id="rId12"/>
+    <p:handoutMasterId r:id="rId13"/>
   </p:handoutMasterIdLst>
   <p:sldIdLst>
     <p:sldId id="256" r:id="rId2"/>
@@ -16,10 +16,11 @@
     <p:sldId id="260" r:id="rId4"/>
     <p:sldId id="262" r:id="rId5"/>
     <p:sldId id="261" r:id="rId6"/>
-    <p:sldId id="263" r:id="rId7"/>
-    <p:sldId id="264" r:id="rId8"/>
-    <p:sldId id="265" r:id="rId9"/>
-    <p:sldId id="259" r:id="rId10"/>
+    <p:sldId id="266" r:id="rId7"/>
+    <p:sldId id="267" r:id="rId8"/>
+    <p:sldId id="263" r:id="rId9"/>
+    <p:sldId id="264" r:id="rId10"/>
+    <p:sldId id="259" r:id="rId11"/>
   </p:sldIdLst>
   <p:sldSz cx="12192000" cy="6858000"/>
   <p:notesSz cx="6858000" cy="9144000"/>
@@ -670,6 +671,105 @@
 </p:notesMaster>
 </file>
 
+<file path=ppt/notesSlides/notesSlide1.xml><?xml version="1.0" encoding="utf-8"?>
+<p:notes xmlns:a="http://schemas.openxmlformats.org/drawingml/2006/main" xmlns:r="http://schemas.openxmlformats.org/officeDocument/2006/relationships" xmlns:p="http://schemas.openxmlformats.org/presentationml/2006/main">
+  <p:cSld>
+    <p:spTree>
+      <p:nvGrpSpPr>
+        <p:cNvPr id="1" name=""/>
+        <p:cNvGrpSpPr/>
+        <p:nvPr/>
+      </p:nvGrpSpPr>
+      <p:grpSpPr>
+        <a:xfrm>
+          <a:off x="0" y="0"/>
+          <a:ext cx="0" cy="0"/>
+          <a:chOff x="0" y="0"/>
+          <a:chExt cx="0" cy="0"/>
+        </a:xfrm>
+      </p:grpSpPr>
+      <p:sp>
+        <p:nvSpPr>
+          <p:cNvPr id="2" name="Espace réservé de l'image des diapositives 1"/>
+          <p:cNvSpPr>
+            <a:spLocks noGrp="1" noRot="1" noChangeAspect="1"/>
+          </p:cNvSpPr>
+          <p:nvPr>
+            <p:ph type="sldImg"/>
+          </p:nvPr>
+        </p:nvSpPr>
+        <p:spPr/>
+      </p:sp>
+      <p:sp>
+        <p:nvSpPr>
+          <p:cNvPr id="3" name="Espace réservé des notes 2"/>
+          <p:cNvSpPr>
+            <a:spLocks noGrp="1"/>
+          </p:cNvSpPr>
+          <p:nvPr>
+            <p:ph type="body" idx="1"/>
+          </p:nvPr>
+        </p:nvSpPr>
+        <p:spPr/>
+        <p:txBody>
+          <a:bodyPr/>
+          <a:lstStyle/>
+          <a:p>
+            <a:r>
+              <a:rPr lang="fr-FR" dirty="0"/>
+              <a:t>Création d’un nouvel utilisateur après remplissage du formulaire</a:t>
+            </a:r>
+          </a:p>
+          <a:p>
+            <a:r>
+              <a:rPr lang="fr-FR" dirty="0"/>
+              <a:t>Envoi des résultats à la Vue</a:t>
+            </a:r>
+          </a:p>
+          <a:p>
+            <a:r>
+              <a:rPr lang="fr-FR" dirty="0"/>
+              <a:t>Merci</a:t>
+            </a:r>
+          </a:p>
+        </p:txBody>
+      </p:sp>
+      <p:sp>
+        <p:nvSpPr>
+          <p:cNvPr id="4" name="Espace réservé du numéro de diapositive 3"/>
+          <p:cNvSpPr>
+            <a:spLocks noGrp="1"/>
+          </p:cNvSpPr>
+          <p:nvPr>
+            <p:ph type="sldNum" sz="quarter" idx="10"/>
+          </p:nvPr>
+        </p:nvSpPr>
+        <p:spPr/>
+        <p:txBody>
+          <a:bodyPr/>
+          <a:lstStyle/>
+          <a:p>
+            <a:fld id="{B212CCC0-FD54-4A15-B0B7-4EC32EDD6351}" type="slidenum">
+              <a:rPr lang="fr-FR" smtClean="0"/>
+              <a:t>9</a:t>
+            </a:fld>
+            <a:endParaRPr lang="fr-FR"/>
+          </a:p>
+        </p:txBody>
+      </p:sp>
+    </p:spTree>
+    <p:extLst>
+      <p:ext uri="{BB962C8B-B14F-4D97-AF65-F5344CB8AC3E}">
+        <p14:creationId xmlns:p14="http://schemas.microsoft.com/office/powerpoint/2010/main" val="2314635209"/>
+      </p:ext>
+    </p:extLst>
+  </p:cSld>
+  <p:clrMapOvr>
+    <a:masterClrMapping/>
+  </p:clrMapOvr>
+</p:notes>
+</file>
+
 <file path=ppt/slideLayouts/slideLayout1.xml><?xml version="1.0" encoding="utf-8"?>
 <p:sldLayout xmlns:a="http://schemas.openxmlformats.org/drawingml/2006/main" xmlns:r="http://schemas.openxmlformats.org/officeDocument/2006/relationships" xmlns:p="http://schemas.openxmlformats.org/presentationml/2006/main" type="title" preserve="1">
   <p:cSld name="Diapositive de titre">
@@ -765,7 +865,7 @@
           <a:effectLst/>
           <a:extLst>
             <a:ext uri="{91240B29-F687-4f45-9708-019B960494DF}">
-              <a14:hiddenLine xmlns="" xmlns:a14="http://schemas.microsoft.com/office/drawing/2010/main" w="9525">
+              <a14:hiddenLine xmlns:a14="http://schemas.microsoft.com/office/drawing/2010/main" xmlns="" w="9525">
                 <a:solidFill>
                   <a:srgbClr val="000000"/>
                 </a:solidFill>
@@ -2271,7 +2371,7 @@
           <a:ln/>
           <a:extLst>
             <a:ext uri="{91240B29-F687-4f45-9708-019B960494DF}">
-              <a14:hiddenLine xmlns="" xmlns:a14="http://schemas.microsoft.com/office/drawing/2010/main" w="9525">
+              <a14:hiddenLine xmlns:a14="http://schemas.microsoft.com/office/drawing/2010/main" xmlns="" w="9525">
                 <a:solidFill>
                   <a:srgbClr val="000000"/>
                 </a:solidFill>
@@ -2542,7 +2642,7 @@
           <a:ln/>
           <a:extLst>
             <a:ext uri="{91240B29-F687-4f45-9708-019B960494DF}">
-              <a14:hiddenLine xmlns="" xmlns:a14="http://schemas.microsoft.com/office/drawing/2010/main" w="9525">
+              <a14:hiddenLine xmlns:a14="http://schemas.microsoft.com/office/drawing/2010/main" xmlns="" w="9525">
                 <a:solidFill>
                   <a:srgbClr val="000000"/>
                 </a:solidFill>
@@ -2821,7 +2921,7 @@
           <a:ln/>
           <a:extLst>
             <a:ext uri="{91240B29-F687-4f45-9708-019B960494DF}">
-              <a14:hiddenLine xmlns="" xmlns:a14="http://schemas.microsoft.com/office/drawing/2010/main" w="9525">
+              <a14:hiddenLine xmlns:a14="http://schemas.microsoft.com/office/drawing/2010/main" xmlns="" w="9525">
                 <a:solidFill>
                   <a:srgbClr val="000000"/>
                 </a:solidFill>
@@ -3469,7 +3569,7 @@
           <a:ln/>
           <a:extLst>
             <a:ext uri="{91240B29-F687-4f45-9708-019B960494DF}">
-              <a14:hiddenLine xmlns="" xmlns:a14="http://schemas.microsoft.com/office/drawing/2010/main" w="9525">
+              <a14:hiddenLine xmlns:a14="http://schemas.microsoft.com/office/drawing/2010/main" xmlns="" w="9525">
                 <a:solidFill>
                   <a:srgbClr val="000000"/>
                 </a:solidFill>
@@ -3804,7 +3904,7 @@
           <a:ln/>
           <a:extLst>
             <a:ext uri="{91240B29-F687-4f45-9708-019B960494DF}">
-              <a14:hiddenLine xmlns="" xmlns:a14="http://schemas.microsoft.com/office/drawing/2010/main" w="9525">
+              <a14:hiddenLine xmlns:a14="http://schemas.microsoft.com/office/drawing/2010/main" xmlns="" w="9525">
                 <a:solidFill>
                   <a:srgbClr val="000000"/>
                 </a:solidFill>
@@ -4277,7 +4377,7 @@
           <a:ln/>
           <a:extLst>
             <a:ext uri="{91240B29-F687-4f45-9708-019B960494DF}">
-              <a14:hiddenLine xmlns="" xmlns:a14="http://schemas.microsoft.com/office/drawing/2010/main" w="9525">
+              <a14:hiddenLine xmlns:a14="http://schemas.microsoft.com/office/drawing/2010/main" xmlns="" w="9525">
                 <a:solidFill>
                   <a:srgbClr val="000000"/>
                 </a:solidFill>
@@ -4698,7 +4798,7 @@
           <a:ln/>
           <a:extLst>
             <a:ext uri="{91240B29-F687-4f45-9708-019B960494DF}">
-              <a14:hiddenLine xmlns="" xmlns:a14="http://schemas.microsoft.com/office/drawing/2010/main" w="9525">
+              <a14:hiddenLine xmlns:a14="http://schemas.microsoft.com/office/drawing/2010/main" xmlns="" w="9525">
                 <a:solidFill>
                   <a:srgbClr val="000000"/>
                 </a:solidFill>
@@ -6046,6 +6146,128 @@
 </p:sld>
 </file>
 
+<file path=ppt/slides/slide10.xml><?xml version="1.0" encoding="utf-8"?>
+<p:sld xmlns:a="http://schemas.openxmlformats.org/drawingml/2006/main" xmlns:r="http://schemas.openxmlformats.org/officeDocument/2006/relationships" xmlns:p="http://schemas.openxmlformats.org/presentationml/2006/main">
+  <p:cSld>
+    <p:spTree>
+      <p:nvGrpSpPr>
+        <p:cNvPr id="1" name=""/>
+        <p:cNvGrpSpPr/>
+        <p:nvPr/>
+      </p:nvGrpSpPr>
+      <p:grpSpPr>
+        <a:xfrm>
+          <a:off x="0" y="0"/>
+          <a:ext cx="0" cy="0"/>
+          <a:chOff x="0" y="0"/>
+          <a:chExt cx="0" cy="0"/>
+        </a:xfrm>
+      </p:grpSpPr>
+      <p:sp>
+        <p:nvSpPr>
+          <p:cNvPr id="2" name="Titre 1">
+            <a:extLst>
+              <a:ext uri="{FF2B5EF4-FFF2-40B4-BE49-F238E27FC236}">
+                <a16:creationId xmlns:a16="http://schemas.microsoft.com/office/drawing/2014/main" id="{F68C3FB5-BA73-429C-B53F-B2CD4F35B601}"/>
+              </a:ext>
+            </a:extLst>
+          </p:cNvPr>
+          <p:cNvSpPr>
+            <a:spLocks noGrp="1"/>
+          </p:cNvSpPr>
+          <p:nvPr>
+            <p:ph type="title"/>
+          </p:nvPr>
+        </p:nvSpPr>
+        <p:spPr/>
+        <p:txBody>
+          <a:bodyPr/>
+          <a:lstStyle/>
+          <a:p>
+            <a:r>
+              <a:rPr lang="fr-FR" dirty="0"/>
+              <a:t>Merci pour votre attention</a:t>
+            </a:r>
+            <a:br>
+              <a:rPr lang="fr-FR" dirty="0"/>
+            </a:br>
+            <a:endParaRPr lang="fr-FR" dirty="0"/>
+          </a:p>
+        </p:txBody>
+      </p:sp>
+      <p:sp>
+        <p:nvSpPr>
+          <p:cNvPr id="4" name="Espace réservé du numéro de diapositive 3">
+            <a:extLst>
+              <a:ext uri="{FF2B5EF4-FFF2-40B4-BE49-F238E27FC236}">
+                <a16:creationId xmlns:a16="http://schemas.microsoft.com/office/drawing/2014/main" id="{026DB39B-1FFE-4B85-8C37-E24016FCA4E7}"/>
+              </a:ext>
+            </a:extLst>
+          </p:cNvPr>
+          <p:cNvSpPr>
+            <a:spLocks noGrp="1"/>
+          </p:cNvSpPr>
+          <p:nvPr>
+            <p:ph type="sldNum" sz="quarter" idx="12"/>
+          </p:nvPr>
+        </p:nvSpPr>
+        <p:spPr/>
+        <p:txBody>
+          <a:bodyPr/>
+          <a:lstStyle/>
+          <a:p>
+            <a:fld id="{D57F1E4F-1CFF-5643-939E-217C01CDF565}" type="slidenum">
+              <a:rPr lang="en-US" smtClean="0"/>
+              <a:pPr/>
+              <a:t>10</a:t>
+            </a:fld>
+            <a:endParaRPr lang="en-US" dirty="0"/>
+          </a:p>
+        </p:txBody>
+      </p:sp>
+      <p:pic>
+        <p:nvPicPr>
+          <p:cNvPr id="6" name="Image 5">
+            <a:extLst>
+              <a:ext uri="{FF2B5EF4-FFF2-40B4-BE49-F238E27FC236}">
+                <a16:creationId xmlns:a16="http://schemas.microsoft.com/office/drawing/2014/main" id="{FDB839A3-9690-4CB2-99B8-7BC33EE4E6B9}"/>
+              </a:ext>
+            </a:extLst>
+          </p:cNvPr>
+          <p:cNvPicPr>
+            <a:picLocks noChangeAspect="1"/>
+          </p:cNvPicPr>
+          <p:nvPr/>
+        </p:nvPicPr>
+        <p:blipFill>
+          <a:blip r:embed="rId2"/>
+          <a:stretch>
+            <a:fillRect/>
+          </a:stretch>
+        </p:blipFill>
+        <p:spPr>
+          <a:xfrm>
+            <a:off x="6202712" y="2435957"/>
+            <a:ext cx="4886612" cy="2213175"/>
+          </a:xfrm>
+          <a:prstGeom prst="rect">
+            <a:avLst/>
+          </a:prstGeom>
+        </p:spPr>
+      </p:pic>
+    </p:spTree>
+    <p:extLst>
+      <p:ext uri="{BB962C8B-B14F-4D97-AF65-F5344CB8AC3E}">
+        <p14:creationId xmlns:p14="http://schemas.microsoft.com/office/powerpoint/2010/main" val="962369875"/>
+      </p:ext>
+    </p:extLst>
+  </p:cSld>
+  <p:clrMapOvr>
+    <a:masterClrMapping/>
+  </p:clrMapOvr>
+</p:sld>
+</file>
+
 <file path=ppt/slides/slide2.xml><?xml version="1.0" encoding="utf-8"?>
 <p:sld xmlns:a="http://schemas.openxmlformats.org/drawingml/2006/main" xmlns:r="http://schemas.openxmlformats.org/officeDocument/2006/relationships" xmlns:p="http://schemas.openxmlformats.org/presentationml/2006/main">
   <p:cSld>
@@ -6141,15 +6363,6 @@
               <a:rPr lang="fr-FR" sz="2400" dirty="0"/>
               <a:t>Les difficultés</a:t>
             </a:r>
-          </a:p>
-          <a:p>
-            <a:r>
-              <a:rPr lang="fr-FR" sz="2400" dirty="0"/>
-              <a:t>Conclusion</a:t>
-            </a:r>
-          </a:p>
-          <a:p>
-            <a:endParaRPr lang="fr-FR" sz="2400" dirty="0"/>
           </a:p>
         </p:txBody>
       </p:sp>
@@ -6691,7 +6904,7 @@
         </p:nvSpPr>
         <p:spPr>
           <a:xfrm>
-            <a:off x="8056381" y="3205098"/>
+            <a:off x="8042313" y="2937812"/>
             <a:ext cx="3843131" cy="923330"/>
           </a:xfrm>
           <a:prstGeom prst="rect">
@@ -6708,6 +6921,41 @@
             <a:r>
               <a:rPr lang="fr-FR" dirty="0"/>
               <a:t>Vérification de l’identifiant et du mot de passe lors de la connexion</a:t>
+            </a:r>
+          </a:p>
+        </p:txBody>
+      </p:sp>
+      <p:sp>
+        <p:nvSpPr>
+          <p:cNvPr id="3" name="ZoneTexte 2">
+            <a:extLst>
+              <a:ext uri="{FF2B5EF4-FFF2-40B4-BE49-F238E27FC236}">
+                <a16:creationId xmlns:a16="http://schemas.microsoft.com/office/drawing/2014/main" id="{5FE5F567-00CE-4C39-BCC9-3FCCF26F719D}"/>
+              </a:ext>
+            </a:extLst>
+          </p:cNvPr>
+          <p:cNvSpPr txBox="1"/>
+          <p:nvPr/>
+        </p:nvSpPr>
+        <p:spPr>
+          <a:xfrm>
+            <a:off x="8042313" y="6161187"/>
+            <a:ext cx="2771335" cy="369332"/>
+          </a:xfrm>
+          <a:prstGeom prst="rect">
+            <a:avLst/>
+          </a:prstGeom>
+          <a:noFill/>
+        </p:spPr>
+        <p:txBody>
+          <a:bodyPr wrap="square" rtlCol="0">
+            <a:spAutoFit/>
+          </a:bodyPr>
+          <a:lstStyle/>
+          <a:p>
+            <a:r>
+              <a:rPr lang="fr-FR" dirty="0"/>
+              <a:t>DAO Client</a:t>
             </a:r>
           </a:p>
         </p:txBody>
@@ -6747,7 +6995,7 @@
           <p:cNvPr id="2" name="Titre 1">
             <a:extLst>
               <a:ext uri="{FF2B5EF4-FFF2-40B4-BE49-F238E27FC236}">
-                <a16:creationId xmlns:a16="http://schemas.microsoft.com/office/drawing/2014/main" id="{94E953CB-5588-4E55-B7F5-4D82AE2ED621}"/>
+                <a16:creationId xmlns:a16="http://schemas.microsoft.com/office/drawing/2014/main" id="{D1C7C880-6F34-4430-B4C4-F7BDB315118C}"/>
               </a:ext>
             </a:extLst>
           </p:cNvPr>
@@ -6765,33 +7013,8 @@
           <a:p>
             <a:r>
               <a:rPr lang="fr-FR" dirty="0"/>
-              <a:t>Les Vues</a:t>
-            </a:r>
-          </a:p>
-        </p:txBody>
-      </p:sp>
-      <p:sp>
-        <p:nvSpPr>
-          <p:cNvPr id="3" name="Espace réservé du contenu 2">
-            <a:extLst>
-              <a:ext uri="{FF2B5EF4-FFF2-40B4-BE49-F238E27FC236}">
-                <a16:creationId xmlns:a16="http://schemas.microsoft.com/office/drawing/2014/main" id="{7F113C0F-0488-47F7-8CE1-2E8131B10A16}"/>
-              </a:ext>
-            </a:extLst>
-          </p:cNvPr>
-          <p:cNvSpPr>
-            <a:spLocks noGrp="1"/>
-          </p:cNvSpPr>
-          <p:nvPr>
-            <p:ph idx="1"/>
-          </p:nvPr>
-        </p:nvSpPr>
-        <p:spPr/>
-        <p:txBody>
-          <a:bodyPr/>
-          <a:lstStyle/>
-          <a:p>
-            <a:endParaRPr lang="fr-FR"/>
+              <a:t>Les DAO</a:t>
+            </a:r>
           </a:p>
         </p:txBody>
       </p:sp>
@@ -6800,7 +7023,7 @@
           <p:cNvPr id="4" name="Espace réservé du numéro de diapositive 3">
             <a:extLst>
               <a:ext uri="{FF2B5EF4-FFF2-40B4-BE49-F238E27FC236}">
-                <a16:creationId xmlns:a16="http://schemas.microsoft.com/office/drawing/2014/main" id="{D0A53A35-0DD5-4D72-9D13-8110FA29CA38}"/>
+                <a16:creationId xmlns:a16="http://schemas.microsoft.com/office/drawing/2014/main" id="{36AA8772-B5FB-4D03-81BB-24155C3F127E}"/>
               </a:ext>
             </a:extLst>
           </p:cNvPr>
@@ -6825,10 +7048,75 @@
           </a:p>
         </p:txBody>
       </p:sp>
+      <p:pic>
+        <p:nvPicPr>
+          <p:cNvPr id="5" name="Image 4">
+            <a:extLst>
+              <a:ext uri="{FF2B5EF4-FFF2-40B4-BE49-F238E27FC236}">
+                <a16:creationId xmlns:a16="http://schemas.microsoft.com/office/drawing/2014/main" id="{0F94F77C-3782-4346-9112-821764A3D374}"/>
+              </a:ext>
+            </a:extLst>
+          </p:cNvPr>
+          <p:cNvPicPr>
+            <a:picLocks noChangeAspect="1"/>
+          </p:cNvPicPr>
+          <p:nvPr/>
+        </p:nvPicPr>
+        <p:blipFill>
+          <a:blip r:embed="rId2"/>
+          <a:stretch>
+            <a:fillRect/>
+          </a:stretch>
+        </p:blipFill>
+        <p:spPr>
+          <a:xfrm>
+            <a:off x="2187232" y="2442822"/>
+            <a:ext cx="7817534" cy="3963665"/>
+          </a:xfrm>
+          <a:prstGeom prst="rect">
+            <a:avLst/>
+          </a:prstGeom>
+        </p:spPr>
+      </p:pic>
+      <p:sp>
+        <p:nvSpPr>
+          <p:cNvPr id="7" name="ZoneTexte 6">
+            <a:extLst>
+              <a:ext uri="{FF2B5EF4-FFF2-40B4-BE49-F238E27FC236}">
+                <a16:creationId xmlns:a16="http://schemas.microsoft.com/office/drawing/2014/main" id="{7DA5FE8B-88C5-48D9-9A43-8D83FC320865}"/>
+              </a:ext>
+            </a:extLst>
+          </p:cNvPr>
+          <p:cNvSpPr txBox="1"/>
+          <p:nvPr/>
+        </p:nvSpPr>
+        <p:spPr>
+          <a:xfrm>
+            <a:off x="424692" y="6037155"/>
+            <a:ext cx="1762540" cy="369332"/>
+          </a:xfrm>
+          <a:prstGeom prst="rect">
+            <a:avLst/>
+          </a:prstGeom>
+          <a:noFill/>
+        </p:spPr>
+        <p:txBody>
+          <a:bodyPr wrap="square" rtlCol="0">
+            <a:spAutoFit/>
+          </a:bodyPr>
+          <a:lstStyle/>
+          <a:p>
+            <a:r>
+              <a:rPr lang="fr-FR" dirty="0"/>
+              <a:t>DAO Produit</a:t>
+            </a:r>
+          </a:p>
+        </p:txBody>
+      </p:sp>
     </p:spTree>
     <p:extLst>
       <p:ext uri="{BB962C8B-B14F-4D97-AF65-F5344CB8AC3E}">
-        <p14:creationId xmlns:p14="http://schemas.microsoft.com/office/powerpoint/2010/main" val="1856342955"/>
+        <p14:creationId xmlns:p14="http://schemas.microsoft.com/office/powerpoint/2010/main" val="952026449"/>
       </p:ext>
     </p:extLst>
   </p:cSld>
@@ -6860,7 +7148,7 @@
           <p:cNvPr id="2" name="Titre 1">
             <a:extLst>
               <a:ext uri="{FF2B5EF4-FFF2-40B4-BE49-F238E27FC236}">
-                <a16:creationId xmlns:a16="http://schemas.microsoft.com/office/drawing/2014/main" id="{E5008914-88B0-40F4-B2B3-B520AE5FE04F}"/>
+                <a16:creationId xmlns:a16="http://schemas.microsoft.com/office/drawing/2014/main" id="{6B69E28A-8A76-4D24-9ABB-6991529F613C}"/>
               </a:ext>
             </a:extLst>
           </p:cNvPr>
@@ -6878,33 +7166,8 @@
           <a:p>
             <a:r>
               <a:rPr lang="fr-FR" dirty="0"/>
-              <a:t>Difficultés</a:t>
-            </a:r>
-          </a:p>
-        </p:txBody>
-      </p:sp>
-      <p:sp>
-        <p:nvSpPr>
-          <p:cNvPr id="3" name="Espace réservé du contenu 2">
-            <a:extLst>
-              <a:ext uri="{FF2B5EF4-FFF2-40B4-BE49-F238E27FC236}">
-                <a16:creationId xmlns:a16="http://schemas.microsoft.com/office/drawing/2014/main" id="{8CBB45B8-702F-4E59-BB61-02DDC257616C}"/>
-              </a:ext>
-            </a:extLst>
-          </p:cNvPr>
-          <p:cNvSpPr>
-            <a:spLocks noGrp="1"/>
-          </p:cNvSpPr>
-          <p:nvPr>
-            <p:ph idx="1"/>
-          </p:nvPr>
-        </p:nvSpPr>
-        <p:spPr/>
-        <p:txBody>
-          <a:bodyPr/>
-          <a:lstStyle/>
-          <a:p>
-            <a:endParaRPr lang="fr-FR"/>
+              <a:t>Les Vues</a:t>
+            </a:r>
           </a:p>
         </p:txBody>
       </p:sp>
@@ -6913,7 +7176,7 @@
           <p:cNvPr id="4" name="Espace réservé du numéro de diapositive 3">
             <a:extLst>
               <a:ext uri="{FF2B5EF4-FFF2-40B4-BE49-F238E27FC236}">
-                <a16:creationId xmlns:a16="http://schemas.microsoft.com/office/drawing/2014/main" id="{8548D1E1-7931-4123-87DA-B2594A9E1E68}"/>
+                <a16:creationId xmlns:a16="http://schemas.microsoft.com/office/drawing/2014/main" id="{67225F73-5E89-4191-BB0C-2AAA983A547D}"/>
               </a:ext>
             </a:extLst>
           </p:cNvPr>
@@ -6938,10 +7201,75 @@
           </a:p>
         </p:txBody>
       </p:sp>
+      <p:pic>
+        <p:nvPicPr>
+          <p:cNvPr id="6" name="Image 5">
+            <a:extLst>
+              <a:ext uri="{FF2B5EF4-FFF2-40B4-BE49-F238E27FC236}">
+                <a16:creationId xmlns:a16="http://schemas.microsoft.com/office/drawing/2014/main" id="{5D60ABB1-E9FC-4714-99F9-596B9B961C13}"/>
+              </a:ext>
+            </a:extLst>
+          </p:cNvPr>
+          <p:cNvPicPr>
+            <a:picLocks noChangeAspect="1"/>
+          </p:cNvPicPr>
+          <p:nvPr/>
+        </p:nvPicPr>
+        <p:blipFill>
+          <a:blip r:embed="rId2"/>
+          <a:stretch>
+            <a:fillRect/>
+          </a:stretch>
+        </p:blipFill>
+        <p:spPr>
+          <a:xfrm>
+            <a:off x="1441807" y="2387816"/>
+            <a:ext cx="7225430" cy="4018671"/>
+          </a:xfrm>
+          <a:prstGeom prst="rect">
+            <a:avLst/>
+          </a:prstGeom>
+        </p:spPr>
+      </p:pic>
+      <p:sp>
+        <p:nvSpPr>
+          <p:cNvPr id="7" name="ZoneTexte 6">
+            <a:extLst>
+              <a:ext uri="{FF2B5EF4-FFF2-40B4-BE49-F238E27FC236}">
+                <a16:creationId xmlns:a16="http://schemas.microsoft.com/office/drawing/2014/main" id="{568D1CFA-4DFA-4F30-BA04-712FE4AC73D6}"/>
+              </a:ext>
+            </a:extLst>
+          </p:cNvPr>
+          <p:cNvSpPr txBox="1"/>
+          <p:nvPr/>
+        </p:nvSpPr>
+        <p:spPr>
+          <a:xfrm>
+            <a:off x="8879114" y="6037155"/>
+            <a:ext cx="1587340" cy="369332"/>
+          </a:xfrm>
+          <a:prstGeom prst="rect">
+            <a:avLst/>
+          </a:prstGeom>
+          <a:noFill/>
+        </p:spPr>
+        <p:txBody>
+          <a:bodyPr wrap="square" rtlCol="0">
+            <a:spAutoFit/>
+          </a:bodyPr>
+          <a:lstStyle/>
+          <a:p>
+            <a:r>
+              <a:rPr lang="fr-FR" dirty="0"/>
+              <a:t>Accueil</a:t>
+            </a:r>
+          </a:p>
+        </p:txBody>
+      </p:sp>
     </p:spTree>
     <p:extLst>
       <p:ext uri="{BB962C8B-B14F-4D97-AF65-F5344CB8AC3E}">
-        <p14:creationId xmlns:p14="http://schemas.microsoft.com/office/powerpoint/2010/main" val="3314748671"/>
+        <p14:creationId xmlns:p14="http://schemas.microsoft.com/office/powerpoint/2010/main" val="2552424253"/>
       </p:ext>
     </p:extLst>
   </p:cSld>
@@ -6973,7 +7301,7 @@
           <p:cNvPr id="2" name="Titre 1">
             <a:extLst>
               <a:ext uri="{FF2B5EF4-FFF2-40B4-BE49-F238E27FC236}">
-                <a16:creationId xmlns:a16="http://schemas.microsoft.com/office/drawing/2014/main" id="{F44DD850-4D70-4918-B75B-6F06717D155E}"/>
+                <a16:creationId xmlns:a16="http://schemas.microsoft.com/office/drawing/2014/main" id="{94E953CB-5588-4E55-B7F5-4D82AE2ED621}"/>
               </a:ext>
             </a:extLst>
           </p:cNvPr>
@@ -6991,33 +7319,8 @@
           <a:p>
             <a:r>
               <a:rPr lang="fr-FR" dirty="0"/>
-              <a:t>Conclusion</a:t>
-            </a:r>
-          </a:p>
-        </p:txBody>
-      </p:sp>
-      <p:sp>
-        <p:nvSpPr>
-          <p:cNvPr id="3" name="Espace réservé du contenu 2">
-            <a:extLst>
-              <a:ext uri="{FF2B5EF4-FFF2-40B4-BE49-F238E27FC236}">
-                <a16:creationId xmlns:a16="http://schemas.microsoft.com/office/drawing/2014/main" id="{1B290021-DACA-414D-800F-F1C5457C0904}"/>
-              </a:ext>
-            </a:extLst>
-          </p:cNvPr>
-          <p:cNvSpPr>
-            <a:spLocks noGrp="1"/>
-          </p:cNvSpPr>
-          <p:nvPr>
-            <p:ph idx="1"/>
-          </p:nvPr>
-        </p:nvSpPr>
-        <p:spPr/>
-        <p:txBody>
-          <a:bodyPr/>
-          <a:lstStyle/>
-          <a:p>
-            <a:endParaRPr lang="fr-FR"/>
+              <a:t>Les Vues</a:t>
+            </a:r>
           </a:p>
         </p:txBody>
       </p:sp>
@@ -7026,7 +7329,7 @@
           <p:cNvPr id="4" name="Espace réservé du numéro de diapositive 3">
             <a:extLst>
               <a:ext uri="{FF2B5EF4-FFF2-40B4-BE49-F238E27FC236}">
-                <a16:creationId xmlns:a16="http://schemas.microsoft.com/office/drawing/2014/main" id="{34C193F0-974C-4A20-BE88-5F6182578D93}"/>
+                <a16:creationId xmlns:a16="http://schemas.microsoft.com/office/drawing/2014/main" id="{D0A53A35-0DD5-4D72-9D13-8110FA29CA38}"/>
               </a:ext>
             </a:extLst>
           </p:cNvPr>
@@ -7051,10 +7354,140 @@
           </a:p>
         </p:txBody>
       </p:sp>
+      <p:pic>
+        <p:nvPicPr>
+          <p:cNvPr id="7" name="Image 6">
+            <a:extLst>
+              <a:ext uri="{FF2B5EF4-FFF2-40B4-BE49-F238E27FC236}">
+                <a16:creationId xmlns:a16="http://schemas.microsoft.com/office/drawing/2014/main" id="{4548F001-5235-4D8A-BA19-FF51881696A5}"/>
+              </a:ext>
+            </a:extLst>
+          </p:cNvPr>
+          <p:cNvPicPr>
+            <a:picLocks noChangeAspect="1"/>
+          </p:cNvPicPr>
+          <p:nvPr/>
+        </p:nvPicPr>
+        <p:blipFill>
+          <a:blip r:embed="rId2"/>
+          <a:stretch>
+            <a:fillRect/>
+          </a:stretch>
+        </p:blipFill>
+        <p:spPr>
+          <a:xfrm>
+            <a:off x="810000" y="2383525"/>
+            <a:ext cx="3476846" cy="2854674"/>
+          </a:xfrm>
+          <a:prstGeom prst="rect">
+            <a:avLst/>
+          </a:prstGeom>
+        </p:spPr>
+      </p:pic>
+      <p:pic>
+        <p:nvPicPr>
+          <p:cNvPr id="8" name="Image 7">
+            <a:extLst>
+              <a:ext uri="{FF2B5EF4-FFF2-40B4-BE49-F238E27FC236}">
+                <a16:creationId xmlns:a16="http://schemas.microsoft.com/office/drawing/2014/main" id="{746654CA-82B5-41E5-9D8A-DEE0FDECA38F}"/>
+              </a:ext>
+            </a:extLst>
+          </p:cNvPr>
+          <p:cNvPicPr>
+            <a:picLocks noChangeAspect="1"/>
+          </p:cNvPicPr>
+          <p:nvPr/>
+        </p:nvPicPr>
+        <p:blipFill>
+          <a:blip r:embed="rId3"/>
+          <a:stretch>
+            <a:fillRect/>
+          </a:stretch>
+        </p:blipFill>
+        <p:spPr>
+          <a:xfrm>
+            <a:off x="3607225" y="4694439"/>
+            <a:ext cx="7602183" cy="1087520"/>
+          </a:xfrm>
+          <a:prstGeom prst="rect">
+            <a:avLst/>
+          </a:prstGeom>
+        </p:spPr>
+      </p:pic>
+      <p:sp>
+        <p:nvSpPr>
+          <p:cNvPr id="9" name="ZoneTexte 8">
+            <a:extLst>
+              <a:ext uri="{FF2B5EF4-FFF2-40B4-BE49-F238E27FC236}">
+                <a16:creationId xmlns:a16="http://schemas.microsoft.com/office/drawing/2014/main" id="{9B1B15CB-6773-4196-98B9-9B1BC4464876}"/>
+              </a:ext>
+            </a:extLst>
+          </p:cNvPr>
+          <p:cNvSpPr txBox="1"/>
+          <p:nvPr/>
+        </p:nvSpPr>
+        <p:spPr>
+          <a:xfrm>
+            <a:off x="4426226" y="2383525"/>
+            <a:ext cx="2385392" cy="369332"/>
+          </a:xfrm>
+          <a:prstGeom prst="rect">
+            <a:avLst/>
+          </a:prstGeom>
+          <a:noFill/>
+        </p:spPr>
+        <p:txBody>
+          <a:bodyPr wrap="square" rtlCol="0">
+            <a:spAutoFit/>
+          </a:bodyPr>
+          <a:lstStyle/>
+          <a:p>
+            <a:r>
+              <a:rPr lang="fr-FR" dirty="0"/>
+              <a:t>V Panier</a:t>
+            </a:r>
+          </a:p>
+        </p:txBody>
+      </p:sp>
+      <p:sp>
+        <p:nvSpPr>
+          <p:cNvPr id="10" name="ZoneTexte 9">
+            <a:extLst>
+              <a:ext uri="{FF2B5EF4-FFF2-40B4-BE49-F238E27FC236}">
+                <a16:creationId xmlns:a16="http://schemas.microsoft.com/office/drawing/2014/main" id="{8A2C488D-D024-4EDA-807A-A9ECA064A0B9}"/>
+              </a:ext>
+            </a:extLst>
+          </p:cNvPr>
+          <p:cNvSpPr txBox="1"/>
+          <p:nvPr/>
+        </p:nvSpPr>
+        <p:spPr>
+          <a:xfrm>
+            <a:off x="3607225" y="6003238"/>
+            <a:ext cx="1905679" cy="369332"/>
+          </a:xfrm>
+          <a:prstGeom prst="rect">
+            <a:avLst/>
+          </a:prstGeom>
+          <a:noFill/>
+        </p:spPr>
+        <p:txBody>
+          <a:bodyPr wrap="square" rtlCol="0">
+            <a:spAutoFit/>
+          </a:bodyPr>
+          <a:lstStyle/>
+          <a:p>
+            <a:r>
+              <a:rPr lang="fr-FR" dirty="0"/>
+              <a:t>V Commandes</a:t>
+            </a:r>
+          </a:p>
+        </p:txBody>
+      </p:sp>
     </p:spTree>
     <p:extLst>
       <p:ext uri="{BB962C8B-B14F-4D97-AF65-F5344CB8AC3E}">
-        <p14:creationId xmlns:p14="http://schemas.microsoft.com/office/powerpoint/2010/main" val="1147183702"/>
+        <p14:creationId xmlns:p14="http://schemas.microsoft.com/office/powerpoint/2010/main" val="1856342955"/>
       </p:ext>
     </p:extLst>
   </p:cSld>
@@ -7086,7 +7519,7 @@
           <p:cNvPr id="2" name="Titre 1">
             <a:extLst>
               <a:ext uri="{FF2B5EF4-FFF2-40B4-BE49-F238E27FC236}">
-                <a16:creationId xmlns:a16="http://schemas.microsoft.com/office/drawing/2014/main" id="{F68C3FB5-BA73-429C-B53F-B2CD4F35B601}"/>
+                <a16:creationId xmlns:a16="http://schemas.microsoft.com/office/drawing/2014/main" id="{E5008914-88B0-40F4-B2B3-B520AE5FE04F}"/>
               </a:ext>
             </a:extLst>
           </p:cNvPr>
@@ -7104,12 +7537,8 @@
           <a:p>
             <a:r>
               <a:rPr lang="fr-FR" dirty="0"/>
-              <a:t>Merci pour votre attention</a:t>
-            </a:r>
-            <a:br>
-              <a:rPr lang="fr-FR" dirty="0"/>
-            </a:br>
-            <a:endParaRPr lang="fr-FR" dirty="0"/>
+              <a:t>Difficultés</a:t>
+            </a:r>
           </a:p>
         </p:txBody>
       </p:sp>
@@ -7118,7 +7547,7 @@
           <p:cNvPr id="4" name="Espace réservé du numéro de diapositive 3">
             <a:extLst>
               <a:ext uri="{FF2B5EF4-FFF2-40B4-BE49-F238E27FC236}">
-                <a16:creationId xmlns:a16="http://schemas.microsoft.com/office/drawing/2014/main" id="{026DB39B-1FFE-4B85-8C37-E24016FCA4E7}"/>
+                <a16:creationId xmlns:a16="http://schemas.microsoft.com/office/drawing/2014/main" id="{8548D1E1-7931-4123-87DA-B2594A9E1E68}"/>
               </a:ext>
             </a:extLst>
           </p:cNvPr>
@@ -7145,10 +7574,10 @@
       </p:sp>
       <p:pic>
         <p:nvPicPr>
-          <p:cNvPr id="6" name="Image 5">
+          <p:cNvPr id="5" name="Image 4">
             <a:extLst>
               <a:ext uri="{FF2B5EF4-FFF2-40B4-BE49-F238E27FC236}">
-                <a16:creationId xmlns:a16="http://schemas.microsoft.com/office/drawing/2014/main" id="{FDB839A3-9690-4CB2-99B8-7BC33EE4E6B9}"/>
+                <a16:creationId xmlns:a16="http://schemas.microsoft.com/office/drawing/2014/main" id="{CBC3FD17-0AF2-4957-B414-48DDEE368FD2}"/>
               </a:ext>
             </a:extLst>
           </p:cNvPr>
@@ -7158,25 +7587,60 @@
           <p:nvPr/>
         </p:nvPicPr>
         <p:blipFill>
-          <a:blip r:embed="rId2"/>
+          <a:blip r:embed="rId3"/>
           <a:stretch>
             <a:fillRect/>
           </a:stretch>
         </p:blipFill>
         <p:spPr>
           <a:xfrm>
-            <a:off x="6202712" y="2435957"/>
-            <a:ext cx="4886612" cy="2213175"/>
+            <a:off x="810000" y="3008492"/>
+            <a:ext cx="10590969" cy="1839424"/>
           </a:xfrm>
           <a:prstGeom prst="rect">
             <a:avLst/>
           </a:prstGeom>
         </p:spPr>
       </p:pic>
+      <p:sp>
+        <p:nvSpPr>
+          <p:cNvPr id="6" name="ZoneTexte 5">
+            <a:extLst>
+              <a:ext uri="{FF2B5EF4-FFF2-40B4-BE49-F238E27FC236}">
+                <a16:creationId xmlns:a16="http://schemas.microsoft.com/office/drawing/2014/main" id="{BA96BBB2-D79A-496C-8B16-1BB42868344D}"/>
+              </a:ext>
+            </a:extLst>
+          </p:cNvPr>
+          <p:cNvSpPr txBox="1"/>
+          <p:nvPr/>
+        </p:nvSpPr>
+        <p:spPr>
+          <a:xfrm>
+            <a:off x="9768693" y="5080796"/>
+            <a:ext cx="1613305" cy="369332"/>
+          </a:xfrm>
+          <a:prstGeom prst="rect">
+            <a:avLst/>
+          </a:prstGeom>
+          <a:noFill/>
+        </p:spPr>
+        <p:txBody>
+          <a:bodyPr wrap="square" rtlCol="0">
+            <a:spAutoFit/>
+          </a:bodyPr>
+          <a:lstStyle/>
+          <a:p>
+            <a:r>
+              <a:rPr lang="fr-FR" dirty="0"/>
+              <a:t>C Inscription</a:t>
+            </a:r>
+          </a:p>
+        </p:txBody>
+      </p:sp>
     </p:spTree>
     <p:extLst>
       <p:ext uri="{BB962C8B-B14F-4D97-AF65-F5344CB8AC3E}">
-        <p14:creationId xmlns:p14="http://schemas.microsoft.com/office/powerpoint/2010/main" val="962369875"/>
+        <p14:creationId xmlns:p14="http://schemas.microsoft.com/office/powerpoint/2010/main" val="3314748671"/>
       </p:ext>
     </p:extLst>
   </p:cSld>
